--- a/6. JavaScript Fundamentals/Lectures/8. Using-Objects.pptx
+++ b/6. JavaScript Fundamentals/Lectures/8. Using-Objects.pptx
@@ -147,7 +147,7 @@
   </p:defaultTextStyle>
   <p:extLst>
     <p:ext uri="{EFAFB233-063F-42B5-8137-9DF3F51BA10A}">
-      <p15:sldGuideLst xmlns:p15="http://schemas.microsoft.com/office/powerpoint/2012/main" xmlns="">
+      <p15:sldGuideLst xmlns="" xmlns:p15="http://schemas.microsoft.com/office/powerpoint/2012/main">
         <p15:guide id="1" orient="horz" pos="2160" userDrawn="1">
           <p15:clr>
             <a:srgbClr val="A4A3A4"/>
@@ -246,7 +246,7 @@
           <a:p>
             <a:fld id="{7E643BE4-A3EE-43E1-B3EF-AE87DED6B10F}" type="datetimeFigureOut">
               <a:rPr lang="en-US" smtClean="0"/>
-              <a:t>4/29/2014</a:t>
+              <a:t>5/8/2014</a:t>
             </a:fld>
             <a:endParaRPr lang="en-US"/>
           </a:p>
@@ -9094,14 +9094,10 @@
                   </a:schemeClr>
                 </a:solidFill>
               </a:rPr>
-              <a:t>.join(", ")</a:t>
-            </a:r>
-            <a:r>
-              <a:rPr lang="en-US" noProof="1" smtClean="0"/>
-              <a:t>; // property </a:t>
-            </a:r>
-            <a:r>
-              <a:rPr lang="en-US" noProof="1" smtClean="0">
+              <a:t>.join</a:t>
+            </a:r>
+            <a:r>
+              <a:rPr lang="en-US" noProof="1">
                 <a:solidFill>
                   <a:schemeClr val="tx1">
                     <a:lumMod val="20000"/>
@@ -9109,17 +9105,15 @@
                   </a:schemeClr>
                 </a:solidFill>
               </a:rPr>
-              <a:t>join</a:t>
+              <a:t>(', ')</a:t>
             </a:r>
             <a:r>
               <a:rPr lang="en-US" noProof="1" smtClean="0"/>
-              <a:t> of Array</a:t>
-            </a:r>
-          </a:p>
-          <a:p>
+              <a:t>; </a:t>
+            </a:r>
             <a:r>
               <a:rPr lang="en-US" noProof="1" smtClean="0"/>
-              <a:t>var length = arr</a:t>
+              <a:t>// property </a:t>
             </a:r>
             <a:r>
               <a:rPr lang="en-US" noProof="1" smtClean="0">
@@ -9130,11 +9124,17 @@
                   </a:schemeClr>
                 </a:solidFill>
               </a:rPr>
-              <a:t>.length</a:t>
+              <a:t>join</a:t>
             </a:r>
             <a:r>
               <a:rPr lang="en-US" noProof="1" smtClean="0"/>
-              <a:t>;  // property </a:t>
+              <a:t> of Array</a:t>
+            </a:r>
+          </a:p>
+          <a:p>
+            <a:r>
+              <a:rPr lang="en-US" noProof="1" smtClean="0"/>
+              <a:t>var length = arr</a:t>
             </a:r>
             <a:r>
               <a:rPr lang="en-US" noProof="1" smtClean="0">
@@ -9145,17 +9145,11 @@
                   </a:schemeClr>
                 </a:solidFill>
               </a:rPr>
-              <a:t>length</a:t>
+              <a:t>.length</a:t>
             </a:r>
             <a:r>
               <a:rPr lang="en-US" noProof="1" smtClean="0"/>
-              <a:t> of Array</a:t>
-            </a:r>
-          </a:p>
-          <a:p>
-            <a:r>
-              <a:rPr lang="en-US" noProof="1" smtClean="0"/>
-              <a:t>var words = text.</a:t>
+              <a:t>;  // property </a:t>
             </a:r>
             <a:r>
               <a:rPr lang="en-US" noProof="1" smtClean="0">
@@ -9166,7 +9160,50 @@
                   </a:schemeClr>
                 </a:solidFill>
               </a:rPr>
-              <a:t>split(" ")</a:t>
+              <a:t>length</a:t>
+            </a:r>
+            <a:r>
+              <a:rPr lang="en-US" noProof="1" smtClean="0"/>
+              <a:t> of Array</a:t>
+            </a:r>
+          </a:p>
+          <a:p>
+            <a:r>
+              <a:rPr lang="en-US" noProof="1" smtClean="0"/>
+              <a:t>var words = text.</a:t>
+            </a:r>
+            <a:r>
+              <a:rPr lang="en-US" noProof="1" smtClean="0">
+                <a:solidFill>
+                  <a:schemeClr val="tx1">
+                    <a:lumMod val="20000"/>
+                    <a:lumOff val="80000"/>
+                  </a:schemeClr>
+                </a:solidFill>
+              </a:rPr>
+              <a:t>split</a:t>
+            </a:r>
+            <a:r>
+              <a:rPr lang="en-US" noProof="1">
+                <a:solidFill>
+                  <a:schemeClr val="tx1">
+                    <a:lumMod val="20000"/>
+                    <a:lumOff val="80000"/>
+                  </a:schemeClr>
+                </a:solidFill>
+              </a:rPr>
+              <a:t>(' </a:t>
+            </a:r>
+            <a:r>
+              <a:rPr lang="en-US" noProof="1">
+                <a:solidFill>
+                  <a:schemeClr val="tx1">
+                    <a:lumMod val="20000"/>
+                    <a:lumOff val="80000"/>
+                  </a:schemeClr>
+                </a:solidFill>
+              </a:rPr>
+              <a:t>')</a:t>
             </a:r>
             <a:r>
               <a:rPr lang="en-US" noProof="1" smtClean="0"/>
@@ -11413,7 +11450,19 @@
           <a:p>
             <a:r>
               <a:rPr lang="en-US" sz="1800" dirty="0" smtClean="0"/>
-              <a:t>var text = "Hello there!";</a:t>
+              <a:t>var text = </a:t>
+            </a:r>
+            <a:r>
+              <a:rPr lang="en-US" sz="1800" dirty="0" smtClean="0"/>
+              <a:t>'Hello </a:t>
+            </a:r>
+            <a:r>
+              <a:rPr lang="en-US" sz="1800" dirty="0" smtClean="0"/>
+              <a:t>there</a:t>
+            </a:r>
+            <a:r>
+              <a:rPr lang="en-US" sz="1800" dirty="0" smtClean="0"/>
+              <a:t>!';</a:t>
             </a:r>
             <a:endParaRPr lang="en-US" sz="1800" dirty="0"/>
           </a:p>
@@ -12003,14 +12052,48 @@
           <a:p>
             <a:r>
               <a:rPr lang="en-US" sz="1800" noProof="1" smtClean="0"/>
-              <a:t>var fname = "Pesho";</a:t>
-            </a:r>
-          </a:p>
-          <a:p>
+              <a:t>var fname = </a:t>
+            </a:r>
+            <a:r>
+              <a:rPr lang="en-US" sz="1800" dirty="0" smtClean="0"/>
+              <a:t>'</a:t>
+            </a:r>
             <a:r>
               <a:rPr lang="en-US" sz="1800" noProof="1" smtClean="0"/>
-              <a:t>var lname = "Ivanov";</a:t>
-            </a:r>
+              <a:t>Pesho</a:t>
+            </a:r>
+            <a:r>
+              <a:rPr lang="en-US" sz="1800" dirty="0"/>
+              <a:t>'</a:t>
+            </a:r>
+            <a:r>
+              <a:rPr lang="en-US" sz="1800" noProof="1" smtClean="0"/>
+              <a:t>;</a:t>
+            </a:r>
+            <a:endParaRPr lang="en-US" sz="1800" noProof="1" smtClean="0"/>
+          </a:p>
+          <a:p>
+            <a:r>
+              <a:rPr lang="en-US" sz="1800" noProof="1" smtClean="0"/>
+              <a:t>var lname = </a:t>
+            </a:r>
+            <a:r>
+              <a:rPr lang="en-US" sz="1800" dirty="0" smtClean="0"/>
+              <a:t>'</a:t>
+            </a:r>
+            <a:r>
+              <a:rPr lang="en-US" sz="1800" noProof="1" smtClean="0"/>
+              <a:t>Ivanov</a:t>
+            </a:r>
+            <a:r>
+              <a:rPr lang="en-US" sz="1800" dirty="0"/>
+              <a:t>'</a:t>
+            </a:r>
+            <a:r>
+              <a:rPr lang="en-US" sz="1800" noProof="1" smtClean="0"/>
+              <a:t>;</a:t>
+            </a:r>
+            <a:endParaRPr lang="en-US" sz="1800" noProof="1" smtClean="0"/>
           </a:p>
           <a:p>
             <a:pPr>
@@ -12020,8 +12103,21 @@
             </a:pPr>
             <a:r>
               <a:rPr lang="en-US" sz="1800" noProof="1" smtClean="0"/>
-              <a:t>var person = {firstName:fname, lastName:lname};</a:t>
-            </a:r>
+              <a:t>var person = </a:t>
+            </a:r>
+            <a:r>
+              <a:rPr lang="en-US" sz="1800" noProof="1" smtClean="0"/>
+              <a:t>{ firstName: fname</a:t>
+            </a:r>
+            <a:r>
+              <a:rPr lang="en-US" sz="1800" noProof="1" smtClean="0"/>
+              <a:t>, lastName</a:t>
+            </a:r>
+            <a:r>
+              <a:rPr lang="en-US" sz="1800" noProof="1" smtClean="0"/>
+              <a:t>: lname };</a:t>
+            </a:r>
+            <a:endParaRPr lang="en-US" sz="1800" noProof="1" smtClean="0"/>
           </a:p>
           <a:p>
             <a:pPr>
@@ -12031,14 +12127,44 @@
             </a:pPr>
             <a:r>
               <a:rPr lang="en-US" sz="1800" noProof="1" smtClean="0"/>
-              <a:t>lname = "Petrov";</a:t>
-            </a:r>
-          </a:p>
-          <a:p>
+              <a:t>lname = </a:t>
+            </a:r>
+            <a:r>
+              <a:rPr lang="en-US" sz="1800" dirty="0" smtClean="0"/>
+              <a:t>'</a:t>
+            </a:r>
             <a:r>
               <a:rPr lang="en-US" sz="1800" noProof="1" smtClean="0"/>
-              <a:t>console.log(person.lastName) // logged "Ivanov"</a:t>
-            </a:r>
+              <a:t>Petrov</a:t>
+            </a:r>
+            <a:r>
+              <a:rPr lang="en-US" sz="1800" dirty="0"/>
+              <a:t>'</a:t>
+            </a:r>
+            <a:r>
+              <a:rPr lang="en-US" sz="1800" noProof="1" smtClean="0"/>
+              <a:t>;</a:t>
+            </a:r>
+            <a:endParaRPr lang="en-US" sz="1800" noProof="1" smtClean="0"/>
+          </a:p>
+          <a:p>
+            <a:r>
+              <a:rPr lang="en-US" sz="1800" noProof="1" smtClean="0"/>
+              <a:t>console.log(person.lastName) // logged </a:t>
+            </a:r>
+            <a:r>
+              <a:rPr lang="en-US" sz="1800" dirty="0" smtClean="0"/>
+              <a:t>'</a:t>
+            </a:r>
+            <a:r>
+              <a:rPr lang="en-US" sz="1800" noProof="1" smtClean="0"/>
+              <a:t>Ivanov</a:t>
+            </a:r>
+            <a:r>
+              <a:rPr lang="en-US" sz="1800" dirty="0"/>
+              <a:t>'</a:t>
+            </a:r>
+            <a:endParaRPr lang="en-US" sz="1800" noProof="1" smtClean="0"/>
           </a:p>
         </p:txBody>
       </p:sp>
@@ -12197,7 +12323,7 @@
         </p:nvSpPr>
         <p:spPr>
           <a:xfrm>
-            <a:off x="228600" y="1306286"/>
+            <a:off x="228600" y="1053000"/>
             <a:ext cx="8686800" cy="5399314"/>
           </a:xfrm>
         </p:spPr>
@@ -12249,7 +12375,7 @@
         </p:nvSpPr>
         <p:spPr>
           <a:xfrm>
-            <a:off x="684000" y="3302678"/>
+            <a:off x="684000" y="3069000"/>
             <a:ext cx="7776000" cy="2862322"/>
           </a:xfrm>
           <a:prstGeom prst="rect">
@@ -12477,47 +12603,188 @@
           <a:p>
             <a:r>
               <a:rPr lang="en-US" sz="1800" noProof="1" smtClean="0"/>
-              <a:t>  {subject : "JavaScript", score : 4.50},</a:t>
-            </a:r>
-          </a:p>
-          <a:p>
+              <a:t>  </a:t>
+            </a:r>
             <a:r>
               <a:rPr lang="en-US" sz="1800" noProof="1" smtClean="0"/>
-              <a:t>  {subject : "OOP", score : 5.00},</a:t>
-            </a:r>
+              <a:t>{ subject </a:t>
+            </a:r>
+            <a:r>
+              <a:rPr lang="en-US" sz="1800" noProof="1" smtClean="0"/>
+              <a:t>: </a:t>
+            </a:r>
+            <a:r>
+              <a:rPr lang="en-US" sz="1800" dirty="0" smtClean="0"/>
+              <a:t>'</a:t>
+            </a:r>
+            <a:r>
+              <a:rPr lang="en-US" sz="1800" noProof="1" smtClean="0"/>
+              <a:t>JavaScript</a:t>
+            </a:r>
+            <a:r>
+              <a:rPr lang="en-US" sz="1800" dirty="0"/>
+              <a:t>'</a:t>
+            </a:r>
+            <a:r>
+              <a:rPr lang="en-US" sz="1800" noProof="1" smtClean="0"/>
+              <a:t>, </a:t>
+            </a:r>
+            <a:r>
+              <a:rPr lang="en-US" sz="1800" noProof="1" smtClean="0"/>
+              <a:t>score : </a:t>
+            </a:r>
+            <a:r>
+              <a:rPr lang="en-US" sz="1800" noProof="1" smtClean="0"/>
+              <a:t>4.50 },</a:t>
+            </a:r>
+            <a:endParaRPr lang="en-US" sz="1800" noProof="1" smtClean="0"/>
+          </a:p>
+          <a:p>
+            <a:r>
+              <a:rPr lang="en-US" sz="1800" noProof="1" smtClean="0"/>
+              <a:t>  </a:t>
+            </a:r>
+            <a:r>
+              <a:rPr lang="en-US" sz="1800" noProof="1" smtClean="0"/>
+              <a:t>{ subject </a:t>
+            </a:r>
+            <a:r>
+              <a:rPr lang="en-US" sz="1800" noProof="1" smtClean="0"/>
+              <a:t>: </a:t>
+            </a:r>
+            <a:r>
+              <a:rPr lang="en-US" sz="1800" dirty="0" smtClean="0"/>
+              <a:t>'</a:t>
+            </a:r>
+            <a:r>
+              <a:rPr lang="en-US" sz="1800" noProof="1" smtClean="0"/>
+              <a:t>OOP</a:t>
+            </a:r>
+            <a:r>
+              <a:rPr lang="en-US" sz="1800" dirty="0"/>
+              <a:t>'</a:t>
+            </a:r>
+            <a:r>
+              <a:rPr lang="en-US" sz="1800" noProof="1" smtClean="0"/>
+              <a:t>, </a:t>
+            </a:r>
+            <a:r>
+              <a:rPr lang="en-US" sz="1800" noProof="1" smtClean="0"/>
+              <a:t>score : </a:t>
+            </a:r>
+            <a:r>
+              <a:rPr lang="en-US" sz="1800" noProof="1" smtClean="0"/>
+              <a:t>5.00 },</a:t>
+            </a:r>
+            <a:endParaRPr lang="en-US" sz="1800" noProof="1" smtClean="0"/>
           </a:p>
           <a:p>
             <a:r>
               <a:rPr lang="en-US" sz="1800" noProof="1"/>
-              <a:t>  {subject : </a:t>
+              <a:t>  </a:t>
             </a:r>
             <a:r>
               <a:rPr lang="en-US" sz="1800" noProof="1" smtClean="0"/>
-              <a:t>"HTML5", </a:t>
+              <a:t>{ subject </a:t>
             </a:r>
             <a:r>
               <a:rPr lang="en-US" sz="1800" noProof="1"/>
-              <a:t>score : 6.00</a:t>
+              <a:t>: </a:t>
+            </a:r>
+            <a:r>
+              <a:rPr lang="en-US" sz="1800" dirty="0" smtClean="0"/>
+              <a:t>'</a:t>
             </a:r>
             <a:r>
               <a:rPr lang="en-US" sz="1800" noProof="1" smtClean="0"/>
-              <a:t>},</a:t>
-            </a:r>
-          </a:p>
-          <a:p>
+              <a:t>HTML5</a:t>
+            </a:r>
+            <a:r>
+              <a:rPr lang="en-US" sz="1800" dirty="0"/>
+              <a:t>'</a:t>
+            </a:r>
             <a:r>
               <a:rPr lang="en-US" sz="1800" noProof="1" smtClean="0"/>
-              <a:t>  {subject : "Photoshop", score : 4.00}];</a:t>
-            </a:r>
-          </a:p>
-          <a:p>
+              <a:t>, </a:t>
+            </a:r>
+            <a:r>
+              <a:rPr lang="en-US" sz="1800" noProof="1"/>
+              <a:t>score : </a:t>
+            </a:r>
+            <a:r>
+              <a:rPr lang="en-US" sz="1800" noProof="1" smtClean="0"/>
+              <a:t>6.00 },</a:t>
+            </a:r>
             <a:endParaRPr lang="en-US" sz="1800" noProof="1" smtClean="0"/>
           </a:p>
           <a:p>
             <a:r>
               <a:rPr lang="en-US" sz="1800" noProof="1" smtClean="0"/>
-              <a:t>var student = {name:"Doncho Minkov", marks:marks};</a:t>
-            </a:r>
+              <a:t>  </a:t>
+            </a:r>
+            <a:r>
+              <a:rPr lang="en-US" sz="1800" noProof="1" smtClean="0"/>
+              <a:t>{ subject </a:t>
+            </a:r>
+            <a:r>
+              <a:rPr lang="en-US" sz="1800" noProof="1" smtClean="0"/>
+              <a:t>: </a:t>
+            </a:r>
+            <a:r>
+              <a:rPr lang="en-US" sz="1800" dirty="0" smtClean="0"/>
+              <a:t>'</a:t>
+            </a:r>
+            <a:r>
+              <a:rPr lang="en-US" sz="1800" noProof="1" smtClean="0"/>
+              <a:t>Photoshop</a:t>
+            </a:r>
+            <a:r>
+              <a:rPr lang="en-US" sz="1800" dirty="0"/>
+              <a:t>'</a:t>
+            </a:r>
+            <a:r>
+              <a:rPr lang="en-US" sz="1800" noProof="1" smtClean="0"/>
+              <a:t>, </a:t>
+            </a:r>
+            <a:r>
+              <a:rPr lang="en-US" sz="1800" noProof="1" smtClean="0"/>
+              <a:t>score : </a:t>
+            </a:r>
+            <a:r>
+              <a:rPr lang="en-US" sz="1800" noProof="1" smtClean="0"/>
+              <a:t>4.00 }];</a:t>
+            </a:r>
+            <a:endParaRPr lang="en-US" sz="1800" noProof="1" smtClean="0"/>
+          </a:p>
+          <a:p>
+            <a:endParaRPr lang="en-US" sz="1800" noProof="1" smtClean="0"/>
+          </a:p>
+          <a:p>
+            <a:r>
+              <a:rPr lang="en-US" sz="1800" noProof="1" smtClean="0"/>
+              <a:t>var student = </a:t>
+            </a:r>
+            <a:r>
+              <a:rPr lang="en-US" sz="1800" noProof="1" smtClean="0"/>
+              <a:t>{ name: </a:t>
+            </a:r>
+            <a:r>
+              <a:rPr lang="en-US" sz="1800" dirty="0"/>
+              <a:t>'</a:t>
+            </a:r>
+            <a:r>
+              <a:rPr lang="en-US" sz="1800" noProof="1" smtClean="0"/>
+              <a:t>Doncho Minkov</a:t>
+            </a:r>
+            <a:r>
+              <a:rPr lang="en-US" sz="1800" dirty="0"/>
+              <a:t>'</a:t>
+            </a:r>
+            <a:r>
+              <a:rPr lang="en-US" sz="1800" noProof="1" smtClean="0"/>
+              <a:t>, marks: marks };</a:t>
+            </a:r>
+            <a:endParaRPr lang="en-US" sz="1800" noProof="1" smtClean="0"/>
           </a:p>
           <a:p>
             <a:r>
@@ -13130,14 +13397,48 @@
           <a:p>
             <a:r>
               <a:rPr lang="en-US" noProof="1" smtClean="0"/>
-              <a:t>  firstName : "Doncho",</a:t>
-            </a:r>
-          </a:p>
-          <a:p>
+              <a:t>  firstName : </a:t>
+            </a:r>
+            <a:r>
+              <a:rPr lang="en-US" dirty="0" smtClean="0"/>
+              <a:t>'</a:t>
+            </a:r>
             <a:r>
               <a:rPr lang="en-US" noProof="1" smtClean="0"/>
-              <a:t>  lastName : "Minkov",</a:t>
-            </a:r>
+              <a:t>Doncho</a:t>
+            </a:r>
+            <a:r>
+              <a:rPr lang="en-US" dirty="0"/>
+              <a:t>'</a:t>
+            </a:r>
+            <a:r>
+              <a:rPr lang="en-US" noProof="1" smtClean="0"/>
+              <a:t>,</a:t>
+            </a:r>
+            <a:endParaRPr lang="en-US" noProof="1" smtClean="0"/>
+          </a:p>
+          <a:p>
+            <a:r>
+              <a:rPr lang="en-US" noProof="1" smtClean="0"/>
+              <a:t>  lastName : </a:t>
+            </a:r>
+            <a:r>
+              <a:rPr lang="en-US" dirty="0"/>
+              <a:t>'</a:t>
+            </a:r>
+            <a:r>
+              <a:rPr lang="en-US" noProof="1" smtClean="0"/>
+              <a:t>Minkov</a:t>
+            </a:r>
+            <a:r>
+              <a:rPr lang="en-US" dirty="0"/>
+              <a:t>'</a:t>
+            </a:r>
+            <a:r>
+              <a:rPr lang="en-US" noProof="1" smtClean="0"/>
+              <a:t>,</a:t>
+            </a:r>
+            <a:endParaRPr lang="en-US" noProof="1" smtClean="0"/>
           </a:p>
           <a:p>
             <a:r>
@@ -13148,7 +13449,27 @@
           <a:p>
             <a:r>
               <a:rPr lang="en-US" noProof="1" smtClean="0"/>
-              <a:t>    return this.firstName + " " + this.lastName;</a:t>
+              <a:t>    return this.firstName + </a:t>
+            </a:r>
+            <a:r>
+              <a:rPr lang="en-US" dirty="0"/>
+              <a:t>'</a:t>
+            </a:r>
+            <a:r>
+              <a:rPr lang="en-US" noProof="1" smtClean="0"/>
+              <a:t> </a:t>
+            </a:r>
+            <a:r>
+              <a:rPr lang="en-US" dirty="0"/>
+              <a:t>'</a:t>
+            </a:r>
+            <a:r>
+              <a:rPr lang="en-US" noProof="1" smtClean="0"/>
+              <a:t> </a:t>
+            </a:r>
+            <a:r>
+              <a:rPr lang="en-US" noProof="1" smtClean="0"/>
+              <a:t>+ this.lastName;</a:t>
             </a:r>
           </a:p>
           <a:p>
@@ -13176,7 +13497,7 @@
         </p:nvSpPr>
         <p:spPr>
           <a:xfrm>
-            <a:off x="481584" y="5476890"/>
+            <a:off x="473266" y="5516515"/>
             <a:ext cx="8180832" cy="400110"/>
           </a:xfrm>
           <a:prstGeom prst="rect">
@@ -13398,7 +13719,19 @@
           <a:p>
             <a:r>
               <a:rPr lang="en-US" noProof="1" smtClean="0"/>
-              <a:t>console.log(person.toString()); // writes "Doncho Minkov"</a:t>
+              <a:t>console.log(person.toString()); // writes </a:t>
+            </a:r>
+            <a:r>
+              <a:rPr lang="en-US" dirty="0"/>
+              <a:t>'</a:t>
+            </a:r>
+            <a:r>
+              <a:rPr lang="en-US" noProof="1" smtClean="0"/>
+              <a:t>Doncho Minkov</a:t>
+            </a:r>
+            <a:r>
+              <a:rPr lang="en-US" dirty="0"/>
+              <a:t>'</a:t>
             </a:r>
             <a:endParaRPr lang="en-US" noProof="1"/>
           </a:p>
@@ -13642,7 +13975,7 @@
         </p:nvSpPr>
         <p:spPr>
           <a:xfrm>
-            <a:off x="481584" y="2821729"/>
+            <a:off x="481584" y="2709000"/>
             <a:ext cx="8180832" cy="1831271"/>
           </a:xfrm>
           <a:prstGeom prst="rect">
@@ -13864,13 +14197,78 @@
           <a:p>
             <a:r>
               <a:rPr lang="en-US" sz="1800" noProof="1" smtClean="0"/>
-              <a:t>var minkov = {fname : "Doncho", lname : "Minkov",</a:t>
-            </a:r>
-          </a:p>
-          <a:p>
+              <a:t>var minkov = {fname : </a:t>
+            </a:r>
+            <a:r>
+              <a:rPr lang="en-US" sz="1800" dirty="0" smtClean="0"/>
+              <a:t>'</a:t>
+            </a:r>
             <a:r>
               <a:rPr lang="en-US" sz="1800" noProof="1" smtClean="0"/>
-              <a:t>  toString : function(){ return this.fname + " " + this.lname;}</a:t>
+              <a:t>Doncho</a:t>
+            </a:r>
+            <a:r>
+              <a:rPr lang="en-US" sz="1800" dirty="0"/>
+              <a:t>'</a:t>
+            </a:r>
+            <a:r>
+              <a:rPr lang="en-US" sz="1800" noProof="1" smtClean="0"/>
+              <a:t>, </a:t>
+            </a:r>
+            <a:r>
+              <a:rPr lang="en-US" sz="1800" noProof="1" smtClean="0"/>
+              <a:t>lname : </a:t>
+            </a:r>
+            <a:r>
+              <a:rPr lang="en-US" sz="1800" dirty="0" smtClean="0"/>
+              <a:t>'</a:t>
+            </a:r>
+            <a:r>
+              <a:rPr lang="en-US" sz="1800" noProof="1" smtClean="0"/>
+              <a:t>Minkov</a:t>
+            </a:r>
+            <a:r>
+              <a:rPr lang="en-US" sz="1800" dirty="0"/>
+              <a:t>'</a:t>
+            </a:r>
+            <a:r>
+              <a:rPr lang="en-US" sz="1800" noProof="1" smtClean="0"/>
+              <a:t>,</a:t>
+            </a:r>
+            <a:endParaRPr lang="en-US" sz="1800" noProof="1" smtClean="0"/>
+          </a:p>
+          <a:p>
+            <a:r>
+              <a:rPr lang="en-US" sz="1800" noProof="1" smtClean="0"/>
+              <a:t>  toString : function</a:t>
+            </a:r>
+            <a:r>
+              <a:rPr lang="en-US" sz="1800" noProof="1" smtClean="0"/>
+              <a:t>(){ </a:t>
+            </a:r>
+            <a:r>
+              <a:rPr lang="en-US" sz="1800" noProof="1" smtClean="0"/>
+              <a:t>return this.fname + </a:t>
+            </a:r>
+            <a:r>
+              <a:rPr lang="en-US" sz="1800" dirty="0"/>
+              <a:t>'</a:t>
+            </a:r>
+            <a:r>
+              <a:rPr lang="en-US" sz="1800" noProof="1" smtClean="0"/>
+              <a:t> </a:t>
+            </a:r>
+            <a:r>
+              <a:rPr lang="en-US" sz="1800" dirty="0"/>
+              <a:t>'</a:t>
+            </a:r>
+            <a:r>
+              <a:rPr lang="en-US" sz="1800" noProof="1" smtClean="0"/>
+              <a:t> </a:t>
+            </a:r>
+            <a:r>
+              <a:rPr lang="en-US" sz="1800" noProof="1" smtClean="0"/>
+              <a:t>+ this.lname;}</a:t>
             </a:r>
           </a:p>
           <a:p>
@@ -13887,14 +14285,74 @@
             </a:pPr>
             <a:r>
               <a:rPr lang="en-US" sz="1800" noProof="1" smtClean="0"/>
-              <a:t>var georgiev = { fname : "Georgi", lname : "Georgiev", </a:t>
+              <a:t>var georgiev = { fname : </a:t>
+            </a:r>
+            <a:r>
+              <a:rPr lang="en-US" sz="1800" dirty="0" smtClean="0"/>
+              <a:t>'</a:t>
+            </a:r>
+            <a:r>
+              <a:rPr lang="en-US" sz="1800" noProof="1" smtClean="0"/>
+              <a:t>Georgi</a:t>
+            </a:r>
+            <a:r>
+              <a:rPr lang="en-US" sz="1800" dirty="0"/>
+              <a:t>'</a:t>
+            </a:r>
+            <a:r>
+              <a:rPr lang="en-US" sz="1800" noProof="1" smtClean="0"/>
+              <a:t>, </a:t>
+            </a:r>
+            <a:r>
+              <a:rPr lang="en-US" sz="1800" noProof="1" smtClean="0"/>
+              <a:t>lname : </a:t>
+            </a:r>
+            <a:r>
+              <a:rPr lang="en-US" sz="1800" dirty="0" smtClean="0"/>
+              <a:t>'</a:t>
+            </a:r>
+            <a:r>
+              <a:rPr lang="en-US" sz="1800" noProof="1" smtClean="0"/>
+              <a:t>Georgiev</a:t>
+            </a:r>
+            <a:r>
+              <a:rPr lang="en-US" sz="1800" dirty="0"/>
+              <a:t>'</a:t>
+            </a:r>
+            <a:r>
+              <a:rPr lang="en-US" sz="1800" noProof="1" smtClean="0"/>
+              <a:t>, </a:t>
+            </a:r>
+            <a:r>
+              <a:rPr lang="en-US" sz="1800" noProof="1" smtClean="0"/>
+              <a:t/>
             </a:r>
             <a:br>
               <a:rPr lang="en-US" sz="1800" noProof="1" smtClean="0"/>
             </a:br>
             <a:r>
               <a:rPr lang="en-US" sz="1800" noProof="1" smtClean="0"/>
-              <a:t>  toString : function(){ return this.fname + " " + this.lname;}</a:t>
+              <a:t>  toString : function(){ return this.fname + </a:t>
+            </a:r>
+            <a:r>
+              <a:rPr lang="en-US" sz="1800" dirty="0"/>
+              <a:t>'</a:t>
+            </a:r>
+            <a:r>
+              <a:rPr lang="en-US" sz="1800" noProof="1" smtClean="0"/>
+              <a:t> </a:t>
+            </a:r>
+            <a:r>
+              <a:rPr lang="en-US" sz="1800" dirty="0"/>
+              <a:t>'</a:t>
+            </a:r>
+            <a:r>
+              <a:rPr lang="en-US" sz="1800" noProof="1" smtClean="0"/>
+              <a:t> </a:t>
+            </a:r>
+            <a:r>
+              <a:rPr lang="en-US" sz="1800" noProof="1" smtClean="0"/>
+              <a:t>+ this.lname;}</a:t>
             </a:r>
           </a:p>
           <a:p>
@@ -14264,7 +14722,27 @@
           <a:p>
             <a:r>
               <a:rPr lang="en-US" sz="1800" noProof="1" smtClean="0"/>
-              <a:t>    toString:function (){return this.fname + " " + this.lname;}</a:t>
+              <a:t>    toString:function (){return this.fname + </a:t>
+            </a:r>
+            <a:r>
+              <a:rPr lang="en-US" sz="1800" dirty="0"/>
+              <a:t>'</a:t>
+            </a:r>
+            <a:r>
+              <a:rPr lang="en-US" sz="1800" noProof="1" smtClean="0"/>
+              <a:t> </a:t>
+            </a:r>
+            <a:r>
+              <a:rPr lang="en-US" sz="1800" dirty="0"/>
+              <a:t>'</a:t>
+            </a:r>
+            <a:r>
+              <a:rPr lang="en-US" sz="1800" noProof="1" smtClean="0"/>
+              <a:t> </a:t>
+            </a:r>
+            <a:r>
+              <a:rPr lang="en-US" sz="1800" noProof="1" smtClean="0"/>
+              <a:t>+ this.lname;}</a:t>
             </a:r>
           </a:p>
           <a:p>
@@ -14287,13 +14765,94 @@
             </a:pPr>
             <a:r>
               <a:rPr lang="en-US" sz="1800" noProof="1" smtClean="0"/>
-              <a:t>var minkov = buildPerson("Doncho","Minkov");</a:t>
-            </a:r>
-          </a:p>
-          <a:p>
+              <a:t>var minkov = buildPerson</a:t>
+            </a:r>
             <a:r>
               <a:rPr lang="en-US" sz="1800" noProof="1" smtClean="0"/>
-              <a:t>var georgiev = buildPerson("Georgi","Georgiev");</a:t>
+              <a:t>(</a:t>
+            </a:r>
+            <a:r>
+              <a:rPr lang="en-US" sz="1800" dirty="0"/>
+              <a:t>'</a:t>
+            </a:r>
+            <a:r>
+              <a:rPr lang="en-US" sz="1800" noProof="1" smtClean="0"/>
+              <a:t>Doncho</a:t>
+            </a:r>
+            <a:r>
+              <a:rPr lang="en-US" sz="1800" dirty="0" smtClean="0"/>
+              <a:t>'</a:t>
+            </a:r>
+            <a:r>
+              <a:rPr lang="en-US" sz="1800" noProof="1" smtClean="0"/>
+              <a:t>,</a:t>
+            </a:r>
+            <a:r>
+              <a:rPr lang="en-US" sz="1800" dirty="0"/>
+              <a:t> </a:t>
+            </a:r>
+            <a:r>
+              <a:rPr lang="en-US" sz="1800" dirty="0" smtClean="0"/>
+              <a:t>'</a:t>
+            </a:r>
+            <a:r>
+              <a:rPr lang="en-US" sz="1800" noProof="1" smtClean="0"/>
+              <a:t>Minkov</a:t>
+            </a:r>
+            <a:r>
+              <a:rPr lang="en-US" sz="1800" dirty="0"/>
+              <a:t>'</a:t>
+            </a:r>
+            <a:r>
+              <a:rPr lang="en-US" sz="1800" noProof="1" smtClean="0"/>
+              <a:t>);</a:t>
+            </a:r>
+            <a:endParaRPr lang="en-US" sz="1800" noProof="1" smtClean="0"/>
+          </a:p>
+          <a:p>
+            <a:r>
+              <a:rPr lang="en-US" sz="1800" noProof="1" smtClean="0"/>
+              <a:t>var georgiev = buildPerson</a:t>
+            </a:r>
+            <a:r>
+              <a:rPr lang="en-US" sz="1800" noProof="1" smtClean="0"/>
+              <a:t>(</a:t>
+            </a:r>
+            <a:r>
+              <a:rPr lang="en-US" sz="1800" dirty="0" smtClean="0"/>
+              <a:t>'</a:t>
+            </a:r>
+            <a:r>
+              <a:rPr lang="en-US" sz="1800" noProof="1" smtClean="0"/>
+              <a:t>Georgi</a:t>
+            </a:r>
+            <a:r>
+              <a:rPr lang="en-US" sz="1800" dirty="0" smtClean="0"/>
+              <a:t>'</a:t>
+            </a:r>
+            <a:r>
+              <a:rPr lang="en-US" sz="1800" noProof="1" smtClean="0"/>
+              <a:t>,</a:t>
+            </a:r>
+            <a:r>
+              <a:rPr lang="en-US" sz="1800" dirty="0"/>
+              <a:t> </a:t>
+            </a:r>
+            <a:r>
+              <a:rPr lang="en-US" sz="1800" dirty="0" smtClean="0"/>
+              <a:t>'</a:t>
+            </a:r>
+            <a:r>
+              <a:rPr lang="en-US" sz="1800" noProof="1" smtClean="0"/>
+              <a:t>Georgiev</a:t>
+            </a:r>
+            <a:r>
+              <a:rPr lang="en-US" sz="1800" dirty="0"/>
+              <a:t>'</a:t>
+            </a:r>
+            <a:r>
+              <a:rPr lang="en-US" sz="1800" noProof="1" smtClean="0"/>
+              <a:t>);</a:t>
             </a:r>
             <a:endParaRPr lang="en-US" sz="1800" noProof="1"/>
           </a:p>
@@ -15238,7 +15797,31 @@
           <a:p>
             <a:r>
               <a:rPr lang="en-US" sz="1900" noProof="1" smtClean="0"/>
-              <a:t>document.write === document["write"] // results in true</a:t>
+              <a:t>document.write === document</a:t>
+            </a:r>
+            <a:r>
+              <a:rPr lang="en-US" sz="1900" noProof="1" smtClean="0"/>
+              <a:t>[</a:t>
+            </a:r>
+            <a:r>
+              <a:rPr lang="en-US" sz="1800" dirty="0" smtClean="0"/>
+              <a:t>'</a:t>
+            </a:r>
+            <a:r>
+              <a:rPr lang="en-US" sz="1900" noProof="1" smtClean="0"/>
+              <a:t>write</a:t>
+            </a:r>
+            <a:r>
+              <a:rPr lang="en-US" sz="1800" dirty="0"/>
+              <a:t>'</a:t>
+            </a:r>
+            <a:r>
+              <a:rPr lang="en-US" sz="1900" noProof="1" smtClean="0"/>
+              <a:t>] </a:t>
+            </a:r>
+            <a:r>
+              <a:rPr lang="en-US" sz="1900" noProof="1" smtClean="0"/>
+              <a:t>// results in true</a:t>
             </a:r>
           </a:p>
         </p:txBody>
@@ -16697,14 +17280,56 @@
           <a:p>
             <a:r>
               <a:rPr lang="en-US" sz="1800" noProof="1" smtClean="0"/>
-              <a:t>var arr = [1,2,1,4,1,3,4,1,111,3,2,1,"1"];</a:t>
-            </a:r>
-          </a:p>
-          <a:p>
+              <a:t>var arr = [1,2,1,4,1,3,4,1,111,3,2,1</a:t>
+            </a:r>
             <a:r>
               <a:rPr lang="en-US" sz="1800" noProof="1" smtClean="0"/>
-              <a:t>arr.remove(1); //arr = [2,4,3,4,111,3,2,"1"];</a:t>
-            </a:r>
+              <a:t>,</a:t>
+            </a:r>
+            <a:r>
+              <a:rPr lang="en-US" sz="1800" dirty="0" smtClean="0"/>
+              <a:t>'</a:t>
+            </a:r>
+            <a:r>
+              <a:rPr lang="en-US" sz="1800" noProof="1" smtClean="0"/>
+              <a:t>1</a:t>
+            </a:r>
+            <a:r>
+              <a:rPr lang="en-US" sz="1800" dirty="0"/>
+              <a:t>'</a:t>
+            </a:r>
+            <a:r>
+              <a:rPr lang="en-US" sz="1800" noProof="1" smtClean="0"/>
+              <a:t>];</a:t>
+            </a:r>
+            <a:endParaRPr lang="en-US" sz="1800" noProof="1" smtClean="0"/>
+          </a:p>
+          <a:p>
+            <a:r>
+              <a:rPr lang="en-US" sz="1800" noProof="1" smtClean="0"/>
+              <a:t>arr.remove(1); //arr = [2,4,3,4,111,3,2</a:t>
+            </a:r>
+            <a:r>
+              <a:rPr lang="en-US" sz="1800" noProof="1" smtClean="0"/>
+              <a:t>,</a:t>
+            </a:r>
+            <a:r>
+              <a:rPr lang="en-US" sz="1800" dirty="0" smtClean="0"/>
+              <a:t>'</a:t>
+            </a:r>
+            <a:r>
+              <a:rPr lang="en-US" sz="1800" noProof="1" smtClean="0"/>
+              <a:t>1</a:t>
+            </a:r>
+            <a:r>
+              <a:rPr lang="en-US" sz="1800" dirty="0"/>
+              <a:t>'</a:t>
+            </a:r>
+            <a:r>
+              <a:rPr lang="en-US" sz="1800" noProof="1" smtClean="0"/>
+              <a:t>];</a:t>
+            </a:r>
+            <a:endParaRPr lang="en-US" sz="1800" noProof="1" smtClean="0"/>
           </a:p>
         </p:txBody>
       </p:sp>
@@ -16946,8 +17571,33 @@
           <a:p>
             <a:r>
               <a:rPr lang="en-US" sz="1800" noProof="1" smtClean="0"/>
-              <a:t>var hasProp = hasProperty(obj,"length");</a:t>
-            </a:r>
+              <a:t>var hasProp = hasProperty(obj</a:t>
+            </a:r>
+            <a:r>
+              <a:rPr lang="en-US" sz="1800" noProof="1" smtClean="0"/>
+              <a:t>,</a:t>
+            </a:r>
+            <a:r>
+              <a:rPr lang="en-US" sz="1800" dirty="0"/>
+              <a:t> </a:t>
+            </a:r>
+            <a:r>
+              <a:rPr lang="en-US" sz="1800" dirty="0" smtClean="0"/>
+              <a:t>'</a:t>
+            </a:r>
+            <a:r>
+              <a:rPr lang="en-US" sz="1800" noProof="1" smtClean="0"/>
+              <a:t>length</a:t>
+            </a:r>
+            <a:r>
+              <a:rPr lang="en-US" sz="1800" dirty="0"/>
+              <a:t>'</a:t>
+            </a:r>
+            <a:r>
+              <a:rPr lang="en-US" sz="1800" noProof="1" smtClean="0"/>
+              <a:t>);</a:t>
+            </a:r>
+            <a:endParaRPr lang="en-US" sz="1800" noProof="1" smtClean="0"/>
           </a:p>
         </p:txBody>
       </p:sp>
@@ -17415,14 +18065,120 @@
           <a:p>
             <a:r>
               <a:rPr lang="en-US" sz="1800" noProof="1" smtClean="0"/>
-              <a:t>  {firstname : "Gosho", lastname: "Petrov", age: 32}, </a:t>
-            </a:r>
-          </a:p>
-          <a:p>
+              <a:t>  </a:t>
+            </a:r>
             <a:r>
               <a:rPr lang="en-US" sz="1800" noProof="1" smtClean="0"/>
-              <a:t>  {firstname : "Bay", lastname: "Ivan", age: 81},…];</a:t>
-            </a:r>
+              <a:t>{ firstname </a:t>
+            </a:r>
+            <a:r>
+              <a:rPr lang="en-US" sz="1800" noProof="1" smtClean="0"/>
+              <a:t>: </a:t>
+            </a:r>
+            <a:r>
+              <a:rPr lang="en-US" sz="1800" dirty="0" smtClean="0"/>
+              <a:t>'</a:t>
+            </a:r>
+            <a:r>
+              <a:rPr lang="en-US" sz="1800" noProof="1" smtClean="0"/>
+              <a:t>Gosho</a:t>
+            </a:r>
+            <a:r>
+              <a:rPr lang="en-US" sz="1800" dirty="0"/>
+              <a:t>'</a:t>
+            </a:r>
+            <a:r>
+              <a:rPr lang="en-US" sz="1800" noProof="1" smtClean="0"/>
+              <a:t>, </a:t>
+            </a:r>
+            <a:r>
+              <a:rPr lang="en-US" sz="1800" noProof="1" smtClean="0"/>
+              <a:t>lastname: </a:t>
+            </a:r>
+            <a:r>
+              <a:rPr lang="en-US" sz="1800" dirty="0" smtClean="0"/>
+              <a:t>'</a:t>
+            </a:r>
+            <a:r>
+              <a:rPr lang="en-US" sz="1800" noProof="1" smtClean="0"/>
+              <a:t>Petrov</a:t>
+            </a:r>
+            <a:r>
+              <a:rPr lang="en-US" sz="1800" dirty="0"/>
+              <a:t>'</a:t>
+            </a:r>
+            <a:r>
+              <a:rPr lang="en-US" sz="1800" noProof="1" smtClean="0"/>
+              <a:t>, </a:t>
+            </a:r>
+            <a:r>
+              <a:rPr lang="en-US" sz="1800" noProof="1" smtClean="0"/>
+              <a:t>age: </a:t>
+            </a:r>
+            <a:r>
+              <a:rPr lang="en-US" sz="1800" noProof="1" smtClean="0"/>
+              <a:t>32 }, </a:t>
+            </a:r>
+            <a:endParaRPr lang="en-US" sz="1800" noProof="1" smtClean="0"/>
+          </a:p>
+          <a:p>
+            <a:r>
+              <a:rPr lang="en-US" sz="1800" noProof="1" smtClean="0"/>
+              <a:t>  </a:t>
+            </a:r>
+            <a:r>
+              <a:rPr lang="en-US" sz="1800" noProof="1" smtClean="0"/>
+              <a:t>{ firstname </a:t>
+            </a:r>
+            <a:r>
+              <a:rPr lang="en-US" sz="1800" noProof="1" smtClean="0"/>
+              <a:t>: </a:t>
+            </a:r>
+            <a:r>
+              <a:rPr lang="en-US" sz="1800" dirty="0" smtClean="0"/>
+              <a:t>'</a:t>
+            </a:r>
+            <a:r>
+              <a:rPr lang="en-US" sz="1800" noProof="1" smtClean="0"/>
+              <a:t>Bay</a:t>
+            </a:r>
+            <a:r>
+              <a:rPr lang="en-US" sz="1800" dirty="0"/>
+              <a:t>'</a:t>
+            </a:r>
+            <a:r>
+              <a:rPr lang="en-US" sz="1800" noProof="1" smtClean="0"/>
+              <a:t>, </a:t>
+            </a:r>
+            <a:r>
+              <a:rPr lang="en-US" sz="1800" noProof="1" smtClean="0"/>
+              <a:t>lastname: </a:t>
+            </a:r>
+            <a:r>
+              <a:rPr lang="en-US" sz="1800" dirty="0" smtClean="0"/>
+              <a:t>'</a:t>
+            </a:r>
+            <a:r>
+              <a:rPr lang="en-US" sz="1800" noProof="1" smtClean="0"/>
+              <a:t>Ivan</a:t>
+            </a:r>
+            <a:r>
+              <a:rPr lang="en-US" sz="1800" dirty="0"/>
+              <a:t>'</a:t>
+            </a:r>
+            <a:r>
+              <a:rPr lang="en-US" sz="1800" noProof="1" smtClean="0"/>
+              <a:t>, </a:t>
+            </a:r>
+            <a:r>
+              <a:rPr lang="en-US" sz="1800" noProof="1" smtClean="0"/>
+              <a:t>age: 81</a:t>
+            </a:r>
+            <a:r>
+              <a:rPr lang="en-US" sz="1800" noProof="1" smtClean="0"/>
+              <a:t>},… ];</a:t>
+            </a:r>
+            <a:endParaRPr lang="en-US" sz="1800" noProof="1" smtClean="0"/>
           </a:p>
         </p:txBody>
       </p:sp>
@@ -17664,13 +18420,54 @@
           <a:p>
             <a:r>
               <a:rPr lang="en-US" sz="1800" noProof="1" smtClean="0"/>
-              <a:t>var groupedByFname = group(persons,"firstname");</a:t>
-            </a:r>
-          </a:p>
-          <a:p>
+              <a:t>var groupedByFname = group(persons</a:t>
+            </a:r>
             <a:r>
               <a:rPr lang="en-US" sz="1800" noProof="1" smtClean="0"/>
-              <a:t>var groupedByAge= group(persons,"age");</a:t>
+              <a:t>, </a:t>
+            </a:r>
+            <a:r>
+              <a:rPr lang="en-US" sz="1800" dirty="0" smtClean="0"/>
+              <a:t>'</a:t>
+            </a:r>
+            <a:r>
+              <a:rPr lang="en-US" sz="1800" noProof="1" smtClean="0"/>
+              <a:t>firstname</a:t>
+            </a:r>
+            <a:r>
+              <a:rPr lang="en-US" sz="1800" dirty="0"/>
+              <a:t>'</a:t>
+            </a:r>
+            <a:r>
+              <a:rPr lang="en-US" sz="1800" noProof="1" smtClean="0"/>
+              <a:t>);</a:t>
+            </a:r>
+            <a:endParaRPr lang="en-US" sz="1800" noProof="1" smtClean="0"/>
+          </a:p>
+          <a:p>
+            <a:r>
+              <a:rPr lang="en-US" sz="1800" noProof="1" smtClean="0"/>
+              <a:t>var groupedByAge= group(persons</a:t>
+            </a:r>
+            <a:r>
+              <a:rPr lang="en-US" sz="1800" noProof="1" smtClean="0"/>
+              <a:t>, </a:t>
+            </a:r>
+            <a:r>
+              <a:rPr lang="en-US" sz="1800" dirty="0" smtClean="0"/>
+              <a:t>'</a:t>
+            </a:r>
+            <a:r>
+              <a:rPr lang="en-US" sz="1800" noProof="1" smtClean="0"/>
+              <a:t>age</a:t>
+            </a:r>
+            <a:r>
+              <a:rPr lang="en-US" sz="1800" dirty="0"/>
+              <a:t>'</a:t>
+            </a:r>
+            <a:r>
+              <a:rPr lang="en-US" sz="1800" noProof="1" smtClean="0"/>
+              <a:t>);</a:t>
             </a:r>
             <a:endParaRPr lang="en-US" sz="1800" noProof="1"/>
           </a:p>
@@ -20946,7 +21743,7 @@
   <a:extraClrSchemeLst/>
   <a:extLst>
     <a:ext uri="{05A4C25C-085E-4340-85A3-A5531E510DB2}">
-      <thm15:themeFamily xmlns:thm15="http://schemas.microsoft.com/office/thememl/2012/main" xmlns="" name="Office Theme" id="{62F939B6-93AF-4DB8-9C6B-D6C7DFDC589F}" vid="{4A3C46E8-61CC-4603-A589-7422A47A8E4A}"/>
+      <thm15:themeFamily xmlns="" xmlns:thm15="http://schemas.microsoft.com/office/thememl/2012/main" name="Office Theme" id="{62F939B6-93AF-4DB8-9C6B-D6C7DFDC589F}" vid="{4A3C46E8-61CC-4603-A589-7422A47A8E4A}"/>
     </a:ext>
   </a:extLst>
 </a:theme>
